--- a/DesignPrinciple.pptx
+++ b/DesignPrinciple.pptx
@@ -196,7 +196,7 @@
             <a:fld id="{A8ADFD5B-A66C-449C-B6E8-FB716D07777D}" type="datetimeFigureOut">
               <a:rPr lang="en-US" smtClean="0"/>
               <a:pPr/>
-              <a:t>3/21/2017</a:t>
+              <a:t>11/14/2018</a:t>
             </a:fld>
             <a:endParaRPr lang="en-US"/>
           </a:p>
@@ -1017,7 +1017,7 @@
                 </a:solidFill>
               </a:rPr>
               <a:pPr algn="ctr"/>
-              <a:t>3/21/2017</a:t>
+              <a:t>11/14/2018</a:t>
             </a:fld>
             <a:endParaRPr lang="en-US" sz="2000" dirty="0">
               <a:solidFill>
@@ -1214,7 +1214,7 @@
             <a:fld id="{E4606EA6-EFEA-4C30-9264-4F9291A5780D}" type="datetime1">
               <a:rPr lang="en-US" smtClean="0"/>
               <a:pPr/>
-              <a:t>3/21/2017</a:t>
+              <a:t>11/14/2018</a:t>
             </a:fld>
             <a:endParaRPr lang="en-US"/>
           </a:p>
@@ -1645,7 +1645,7 @@
             <a:fld id="{6FCF9F07-3BC7-4570-B054-79111B0A380C}" type="datetime1">
               <a:rPr lang="en-US" smtClean="0"/>
               <a:pPr/>
-              <a:t>3/21/2017</a:t>
+              <a:t>11/14/2018</a:t>
             </a:fld>
             <a:endParaRPr lang="en-US"/>
           </a:p>
@@ -1909,7 +1909,7 @@
             <a:fld id="{E4606EA6-EFEA-4C30-9264-4F9291A5780D}" type="datetime1">
               <a:rPr lang="en-US" smtClean="0"/>
               <a:pPr/>
-              <a:t>3/21/2017</a:t>
+              <a:t>11/14/2018</a:t>
             </a:fld>
             <a:endParaRPr lang="en-US"/>
           </a:p>
@@ -2163,7 +2163,7 @@
             <a:fld id="{E4606EA6-EFEA-4C30-9264-4F9291A5780D}" type="datetime1">
               <a:rPr lang="en-US" smtClean="0"/>
               <a:pPr/>
-              <a:t>3/21/2017</a:t>
+              <a:t>11/14/2018</a:t>
             </a:fld>
             <a:endParaRPr lang="en-US"/>
           </a:p>
@@ -2375,7 +2375,7 @@
             <a:fld id="{6DFADB5D-B7A0-47E3-AD2D-B1A6F8614213}" type="datetime1">
               <a:rPr lang="en-US" smtClean="0"/>
               <a:pPr/>
-              <a:t>3/21/2017</a:t>
+              <a:t>11/14/2018</a:t>
             </a:fld>
             <a:endParaRPr lang="en-US"/>
           </a:p>
@@ -2568,7 +2568,7 @@
             <a:fld id="{72968126-03FC-49C0-B9B8-2B561CCC3D90}" type="datetime1">
               <a:rPr lang="en-US" smtClean="0"/>
               <a:pPr/>
-              <a:t>3/21/2017</a:t>
+              <a:t>11/14/2018</a:t>
             </a:fld>
             <a:endParaRPr lang="en-US"/>
           </a:p>
@@ -2720,7 +2720,7 @@
             <a:fld id="{F49A8198-4617-485E-9585-4840B69DBBA6}" type="datetime1">
               <a:rPr lang="en-US" smtClean="0"/>
               <a:pPr/>
-              <a:t>3/21/2017</a:t>
+              <a:t>11/14/2018</a:t>
             </a:fld>
             <a:endParaRPr lang="en-US"/>
           </a:p>
@@ -3308,7 +3308,7 @@
             <a:fld id="{E4606EA6-EFEA-4C30-9264-4F9291A5780D}" type="datetime1">
               <a:rPr lang="en-US" smtClean="0"/>
               <a:pPr/>
-              <a:t>3/21/2017</a:t>
+              <a:t>11/14/2018</a:t>
             </a:fld>
             <a:endParaRPr lang="en-US"/>
           </a:p>
@@ -3508,7 +3508,7 @@
             <a:fld id="{E4606EA6-EFEA-4C30-9264-4F9291A5780D}" type="datetime1">
               <a:rPr lang="en-US" smtClean="0"/>
               <a:pPr/>
-              <a:t>3/21/2017</a:t>
+              <a:t>11/14/2018</a:t>
             </a:fld>
             <a:endParaRPr lang="en-US" sz="1400" dirty="0">
               <a:solidFill>
@@ -4702,61 +4702,21 @@
               <a:t>The </a:t>
             </a:r>
             <a:r>
-              <a:rPr lang="en-US" sz="2000" u="sng" dirty="0" smtClean="0">
-                <a:solidFill>
-                  <a:schemeClr val="accent2">
-                    <a:lumMod val="60000"/>
-                    <a:lumOff val="40000"/>
-                  </a:schemeClr>
-                </a:solidFill>
-              </a:rPr>
+              <a:rPr lang="en-US" sz="2000" u="sng" dirty="0" smtClean="0"/>
               <a:t>design process </a:t>
             </a:r>
             <a:r>
               <a:rPr lang="en-US" sz="2000" dirty="0" smtClean="0"/>
-              <a:t>is a sequence of steps that </a:t>
-            </a:r>
-            <a:r>
-              <a:rPr lang="en-US" sz="2000" dirty="0" smtClean="0">
-                <a:solidFill>
-                  <a:srgbClr val="FF0000"/>
-                </a:solidFill>
-              </a:rPr>
-              <a:t>enable the designer to describe all aspects of the software to be built</a:t>
+              <a:t>is a sequence of steps that enable the designer to describe all aspects of the software to be built. However, it is not merely a cook book; for a competent and successful design, the </a:t>
             </a:r>
             <a:r>
               <a:rPr lang="en-US" sz="2000" dirty="0" smtClean="0"/>
-              <a:t>. However, it is not merely a cook book; for a competent and successful design, the designed must use </a:t>
-            </a:r>
-            <a:r>
-              <a:rPr lang="en-US" sz="2000" dirty="0" smtClean="0">
-                <a:solidFill>
-                  <a:srgbClr val="0070C0"/>
-                </a:solidFill>
-              </a:rPr>
-              <a:t>creative skill, past experience, a sense of what makes “good” software</a:t>
+              <a:t>designer </a:t>
             </a:r>
             <a:r>
               <a:rPr lang="en-US" sz="2000" dirty="0" smtClean="0"/>
-              <a:t>, and have a </a:t>
-            </a:r>
-            <a:r>
-              <a:rPr lang="en-US" sz="2000" dirty="0" smtClean="0">
-                <a:solidFill>
-                  <a:srgbClr val="7030A0"/>
-                </a:solidFill>
-              </a:rPr>
-              <a:t>commitment to quality</a:t>
-            </a:r>
-            <a:r>
-              <a:rPr lang="en-US" sz="2000" dirty="0" smtClean="0"/>
-              <a:t>.</a:t>
-            </a:r>
-            <a:endParaRPr lang="en-US" sz="2000" dirty="0" smtClean="0">
-              <a:solidFill>
-                <a:srgbClr val="0070C0"/>
-              </a:solidFill>
-            </a:endParaRPr>
+              <a:t>must use creative skill, past experience, a sense of what makes “good” software, and have a commitment to quality.</a:t>
+            </a:r>
           </a:p>
         </p:txBody>
       </p:sp>
@@ -4795,25 +4755,13 @@
               <a:t>The </a:t>
             </a:r>
             <a:r>
-              <a:rPr lang="en-US" sz="2000" u="sng" dirty="0" smtClean="0">
-                <a:solidFill>
-                  <a:schemeClr val="accent2">
-                    <a:lumMod val="60000"/>
-                    <a:lumOff val="40000"/>
-                  </a:schemeClr>
-                </a:solidFill>
-              </a:rPr>
+              <a:rPr lang="en-US" sz="2000" u="sng" dirty="0" smtClean="0"/>
               <a:t>design model </a:t>
             </a:r>
             <a:r>
               <a:rPr lang="en-US" sz="2000" dirty="0" smtClean="0"/>
               <a:t>is equivalent to the architect’s plans for a house. It begins by representing the totality of the entity to be built (e.g. a 3D rendering of the house), and slowly refines the entity to provide guidance for constructing each detail (e.g. the plumbing layout). Similarly the design model that is created for software provides a variety of views of the computer software.</a:t>
             </a:r>
-            <a:endParaRPr lang="en-US" sz="2000" dirty="0" smtClean="0">
-              <a:solidFill>
-                <a:srgbClr val="0070C0"/>
-              </a:solidFill>
-            </a:endParaRPr>
           </a:p>
         </p:txBody>
       </p:sp>
